--- a/ninja_runner.pptx
+++ b/ninja_runner.pptx
@@ -4130,7 +4130,25 @@
                 </a:solidFill>
                 <a:latin typeface="Clear Sans Regular Italics"/>
               </a:rPr>
-              <a:t>НАСТАВНИК: ИВАНОВ ИВАН ИВАНОВИЧ</a:t>
+              <a:t>НАСТАВНИК:</a:t>
+            </a:r>
+            <a:r>
+              <a:rPr lang="en-US" sz="3622" spc="90" dirty="0" smtClean="0">
+                <a:solidFill>
+                  <a:srgbClr val="3488CC"/>
+                </a:solidFill>
+                <a:latin typeface="Clear Sans Regular Italics"/>
+              </a:rPr>
+              <a:t> </a:t>
+            </a:r>
+            <a:r>
+              <a:rPr lang="ru-RU" sz="3622" spc="90" smtClean="0">
+                <a:solidFill>
+                  <a:srgbClr val="3488CC"/>
+                </a:solidFill>
+                <a:latin typeface="Clear Sans Regular Italics"/>
+              </a:rPr>
+              <a:t>Скотников Александр</a:t>
             </a:r>
             <a:endParaRPr lang="en-US" sz="3622" spc="90" dirty="0">
               <a:solidFill>
